--- a/_build/html/_static/assets/Guide_tour/Guide_tour.pptx
+++ b/_build/html/_static/assets/Guide_tour/Guide_tour.pptx
@@ -6,6 +6,7 @@
   </p:sldMasterIdLst>
   <p:sldIdLst>
     <p:sldId id="256" r:id="rId2"/>
+    <p:sldId id="257" r:id="rId3"/>
   </p:sldIdLst>
   <p:sldSz cx="12192000" cy="6858000"/>
   <p:notesSz cx="6858000" cy="9144000"/>
@@ -104,6 +105,11 @@
       </a:defRPr>
     </a:lvl9pPr>
   </p:defaultTextStyle>
+  <p:extLst>
+    <p:ext uri="{EFAFB233-063F-42B5-8137-9DF3F51BA10A}">
+      <p15:sldGuideLst xmlns:p15="http://schemas.microsoft.com/office/powerpoint/2012/main"/>
+    </p:ext>
+  </p:extLst>
 </p:presentation>
 </file>
 
@@ -260,7 +266,7 @@
           <a:p>
             <a:fld id="{F6CCBF3A-D7FB-4B97-8FD5-6FFB20CB1E84}" type="datetimeFigureOut">
               <a:rPr lang="en-US" smtClean="0"/>
-              <a:t>1/12/2023</a:t>
+              <a:t>2/1/2023</a:t>
             </a:fld>
             <a:endParaRPr lang="en-US"/>
           </a:p>
@@ -501,7 +507,7 @@
           <a:p>
             <a:fld id="{F6CCBF3A-D7FB-4B97-8FD5-6FFB20CB1E84}" type="datetimeFigureOut">
               <a:rPr lang="en-US" smtClean="0"/>
-              <a:t>1/12/2023</a:t>
+              <a:t>2/1/2023</a:t>
             </a:fld>
             <a:endParaRPr lang="en-US"/>
           </a:p>
@@ -710,7 +716,7 @@
           <a:p>
             <a:fld id="{F6CCBF3A-D7FB-4B97-8FD5-6FFB20CB1E84}" type="datetimeFigureOut">
               <a:rPr lang="en-US" smtClean="0"/>
-              <a:t>1/12/2023</a:t>
+              <a:t>2/1/2023</a:t>
             </a:fld>
             <a:endParaRPr lang="en-US"/>
           </a:p>
@@ -952,7 +958,7 @@
           <a:p>
             <a:fld id="{F6CCBF3A-D7FB-4B97-8FD5-6FFB20CB1E84}" type="datetimeFigureOut">
               <a:rPr lang="en-US" smtClean="0"/>
-              <a:t>1/12/2023</a:t>
+              <a:t>2/1/2023</a:t>
             </a:fld>
             <a:endParaRPr lang="en-US"/>
           </a:p>
@@ -1230,7 +1236,7 @@
           <a:p>
             <a:fld id="{F6CCBF3A-D7FB-4B97-8FD5-6FFB20CB1E84}" type="datetimeFigureOut">
               <a:rPr lang="en-US" smtClean="0"/>
-              <a:t>1/12/2023</a:t>
+              <a:t>2/1/2023</a:t>
             </a:fld>
             <a:endParaRPr lang="en-US"/>
           </a:p>
@@ -1496,7 +1502,7 @@
           <a:p>
             <a:fld id="{F6CCBF3A-D7FB-4B97-8FD5-6FFB20CB1E84}" type="datetimeFigureOut">
               <a:rPr lang="en-US" smtClean="0"/>
-              <a:t>1/12/2023</a:t>
+              <a:t>2/1/2023</a:t>
             </a:fld>
             <a:endParaRPr lang="en-US"/>
           </a:p>
@@ -1909,7 +1915,7 @@
           <a:p>
             <a:fld id="{F6CCBF3A-D7FB-4B97-8FD5-6FFB20CB1E84}" type="datetimeFigureOut">
               <a:rPr lang="en-US" smtClean="0"/>
-              <a:t>1/12/2023</a:t>
+              <a:t>2/1/2023</a:t>
             </a:fld>
             <a:endParaRPr lang="en-US"/>
           </a:p>
@@ -2056,7 +2062,7 @@
           <a:p>
             <a:fld id="{F6CCBF3A-D7FB-4B97-8FD5-6FFB20CB1E84}" type="datetimeFigureOut">
               <a:rPr lang="en-US" smtClean="0"/>
-              <a:t>1/12/2023</a:t>
+              <a:t>2/1/2023</a:t>
             </a:fld>
             <a:endParaRPr lang="en-US"/>
           </a:p>
@@ -2169,7 +2175,7 @@
           <a:p>
             <a:fld id="{F6CCBF3A-D7FB-4B97-8FD5-6FFB20CB1E84}" type="datetimeFigureOut">
               <a:rPr lang="en-US" smtClean="0"/>
-              <a:t>1/12/2023</a:t>
+              <a:t>2/1/2023</a:t>
             </a:fld>
             <a:endParaRPr lang="en-US"/>
           </a:p>
@@ -2481,7 +2487,7 @@
           <a:p>
             <a:fld id="{F6CCBF3A-D7FB-4B97-8FD5-6FFB20CB1E84}" type="datetimeFigureOut">
               <a:rPr lang="en-US" smtClean="0"/>
-              <a:t>1/12/2023</a:t>
+              <a:t>2/1/2023</a:t>
             </a:fld>
             <a:endParaRPr lang="en-US"/>
           </a:p>
@@ -2816,7 +2822,7 @@
           <a:p>
             <a:fld id="{F6CCBF3A-D7FB-4B97-8FD5-6FFB20CB1E84}" type="datetimeFigureOut">
               <a:rPr lang="en-US" smtClean="0"/>
-              <a:t>1/12/2023</a:t>
+              <a:t>2/1/2023</a:t>
             </a:fld>
             <a:endParaRPr lang="en-US"/>
           </a:p>
@@ -3100,7 +3106,7 @@
           <a:p>
             <a:fld id="{F6CCBF3A-D7FB-4B97-8FD5-6FFB20CB1E84}" type="datetimeFigureOut">
               <a:rPr lang="en-US" smtClean="0"/>
-              <a:t>1/12/2023</a:t>
+              <a:t>2/1/2023</a:t>
             </a:fld>
             <a:endParaRPr lang="en-US"/>
           </a:p>
@@ -3690,6 +3696,535 @@
 </p:sld>
 </file>
 
+<file path=ppt/slides/slide2.xml><?xml version="1.0" encoding="utf-8"?>
+<p:sld xmlns:a="http://schemas.openxmlformats.org/drawingml/2006/main" xmlns:r="http://schemas.openxmlformats.org/officeDocument/2006/relationships" xmlns:p="http://schemas.openxmlformats.org/presentationml/2006/main">
+  <p:cSld>
+    <p:spTree>
+      <p:nvGrpSpPr>
+        <p:cNvPr id="1" name=""/>
+        <p:cNvGrpSpPr/>
+        <p:nvPr/>
+      </p:nvGrpSpPr>
+      <p:grpSpPr>
+        <a:xfrm>
+          <a:off x="0" y="0"/>
+          <a:ext cx="0" cy="0"/>
+          <a:chOff x="0" y="0"/>
+          <a:chExt cx="0" cy="0"/>
+        </a:xfrm>
+      </p:grpSpPr>
+      <p:pic>
+        <p:nvPicPr>
+          <p:cNvPr id="7" name="Picture 3" descr="Arrière-plan abstrait triangulaire">
+            <a:extLst>
+              <a:ext uri="{FF2B5EF4-FFF2-40B4-BE49-F238E27FC236}">
+                <a16:creationId xmlns:a16="http://schemas.microsoft.com/office/drawing/2014/main" id="{EAF9DA85-97C8-688D-F22D-46347BBE798A}"/>
+              </a:ext>
+            </a:extLst>
+          </p:cNvPr>
+          <p:cNvPicPr>
+            <a:picLocks noChangeAspect="1"/>
+          </p:cNvPicPr>
+          <p:nvPr/>
+        </p:nvPicPr>
+        <p:blipFill rotWithShape="1">
+          <a:blip r:embed="rId2"/>
+          <a:srcRect t="15730"/>
+          <a:stretch/>
+        </p:blipFill>
+        <p:spPr>
+          <a:xfrm>
+            <a:off x="20" y="10"/>
+            <a:ext cx="12191980" cy="6857990"/>
+          </a:xfrm>
+          <a:prstGeom prst="rect">
+            <a:avLst/>
+          </a:prstGeom>
+          <a:noFill/>
+        </p:spPr>
+      </p:pic>
+      <p:sp>
+        <p:nvSpPr>
+          <p:cNvPr id="13" name="Slide Number Placeholder 7">
+            <a:extLst>
+              <a:ext uri="{FF2B5EF4-FFF2-40B4-BE49-F238E27FC236}">
+                <a16:creationId xmlns:a16="http://schemas.microsoft.com/office/drawing/2014/main" id="{BE8DB8D2-1690-4175-A7A8-A5BE0D251FFA}"/>
+              </a:ext>
+            </a:extLst>
+          </p:cNvPr>
+          <p:cNvSpPr>
+            <a:spLocks noGrp="1"/>
+          </p:cNvSpPr>
+          <p:nvPr>
+            <p:ph type="sldNum" sz="quarter" idx="12"/>
+          </p:nvPr>
+        </p:nvSpPr>
+        <p:spPr>
+          <a:xfrm>
+            <a:off x="11512296" y="6356350"/>
+            <a:ext cx="574620" cy="365125"/>
+          </a:xfrm>
+        </p:spPr>
+        <p:txBody>
+          <a:bodyPr>
+            <a:normAutofit/>
+          </a:bodyPr>
+          <a:lstStyle/>
+          <a:p>
+            <a:pPr>
+              <a:spcAft>
+                <a:spcPts val="600"/>
+              </a:spcAft>
+            </a:pPr>
+            <a:fld id="{3E131995-E962-4131-8504-6B962D7140A6}" type="slidenum">
+              <a:rPr lang="en-US" smtClean="0">
+                <a:solidFill>
+                  <a:srgbClr val="FFFFFF"/>
+                </a:solidFill>
+                <a:effectLst>
+                  <a:outerShdw blurRad="38100" dist="38100" dir="2700000" algn="tl">
+                    <a:srgbClr val="000000">
+                      <a:alpha val="43137"/>
+                    </a:srgbClr>
+                  </a:outerShdw>
+                </a:effectLst>
+              </a:rPr>
+              <a:pPr>
+                <a:spcAft>
+                  <a:spcPts val="600"/>
+                </a:spcAft>
+              </a:pPr>
+              <a:t>2</a:t>
+            </a:fld>
+            <a:endParaRPr lang="en-US">
+              <a:solidFill>
+                <a:srgbClr val="FFFFFF"/>
+              </a:solidFill>
+              <a:effectLst>
+                <a:outerShdw blurRad="38100" dist="38100" dir="2700000" algn="tl">
+                  <a:srgbClr val="000000">
+                    <a:alpha val="43137"/>
+                  </a:srgbClr>
+                </a:outerShdw>
+              </a:effectLst>
+            </a:endParaRPr>
+          </a:p>
+        </p:txBody>
+      </p:sp>
+      <p:pic>
+        <p:nvPicPr>
+          <p:cNvPr id="10" name="Image 9">
+            <a:extLst>
+              <a:ext uri="{FF2B5EF4-FFF2-40B4-BE49-F238E27FC236}">
+                <a16:creationId xmlns:a16="http://schemas.microsoft.com/office/drawing/2014/main" id="{827F220B-E1F3-0889-7568-887E16A403A8}"/>
+              </a:ext>
+            </a:extLst>
+          </p:cNvPr>
+          <p:cNvPicPr>
+            <a:picLocks noChangeAspect="1"/>
+          </p:cNvPicPr>
+          <p:nvPr/>
+        </p:nvPicPr>
+        <p:blipFill>
+          <a:blip r:embed="rId3">
+            <a:extLst>
+              <a:ext uri="{28A0092B-C50C-407E-A947-70E740481C1C}">
+                <a14:useLocalDpi xmlns:a14="http://schemas.microsoft.com/office/drawing/2010/main" val="0"/>
+              </a:ext>
+            </a:extLst>
+          </a:blip>
+          <a:stretch>
+            <a:fillRect/>
+          </a:stretch>
+        </p:blipFill>
+        <p:spPr>
+          <a:xfrm>
+            <a:off x="679702" y="77881"/>
+            <a:ext cx="10969753" cy="6643594"/>
+          </a:xfrm>
+          <a:prstGeom prst="rect">
+            <a:avLst/>
+          </a:prstGeom>
+        </p:spPr>
+      </p:pic>
+      <p:sp>
+        <p:nvSpPr>
+          <p:cNvPr id="12" name="Rectangle 11">
+            <a:extLst>
+              <a:ext uri="{FF2B5EF4-FFF2-40B4-BE49-F238E27FC236}">
+                <a16:creationId xmlns:a16="http://schemas.microsoft.com/office/drawing/2014/main" id="{DD551FDA-EA93-31EE-A7CF-51F7FB98CA74}"/>
+              </a:ext>
+            </a:extLst>
+          </p:cNvPr>
+          <p:cNvSpPr/>
+          <p:nvPr/>
+        </p:nvSpPr>
+        <p:spPr>
+          <a:xfrm>
+            <a:off x="815513" y="2584163"/>
+            <a:ext cx="2027891" cy="4123648"/>
+          </a:xfrm>
+          <a:prstGeom prst="rect">
+            <a:avLst/>
+          </a:prstGeom>
+          <a:noFill/>
+          <a:ln w="28575">
+            <a:solidFill>
+              <a:schemeClr val="accent2"/>
+            </a:solidFill>
+          </a:ln>
+        </p:spPr>
+        <p:style>
+          <a:lnRef idx="2">
+            <a:schemeClr val="accent1">
+              <a:shade val="50000"/>
+            </a:schemeClr>
+          </a:lnRef>
+          <a:fillRef idx="1">
+            <a:schemeClr val="accent1"/>
+          </a:fillRef>
+          <a:effectRef idx="0">
+            <a:schemeClr val="accent1"/>
+          </a:effectRef>
+          <a:fontRef idx="minor">
+            <a:schemeClr val="lt1"/>
+          </a:fontRef>
+        </p:style>
+        <p:txBody>
+          <a:bodyPr rtlCol="0" anchor="ctr"/>
+          <a:lstStyle/>
+          <a:p>
+            <a:pPr algn="ctr"/>
+            <a:endParaRPr lang="fr-FR"/>
+          </a:p>
+        </p:txBody>
+      </p:sp>
+      <p:cxnSp>
+        <p:nvCxnSpPr>
+          <p:cNvPr id="15" name="Connecteur droit 14">
+            <a:extLst>
+              <a:ext uri="{FF2B5EF4-FFF2-40B4-BE49-F238E27FC236}">
+                <a16:creationId xmlns:a16="http://schemas.microsoft.com/office/drawing/2014/main" id="{A04BC012-BF70-3667-A167-8B3AFBA6F508}"/>
+              </a:ext>
+            </a:extLst>
+          </p:cNvPr>
+          <p:cNvCxnSpPr>
+            <a:cxnSpLocks/>
+          </p:cNvCxnSpPr>
+          <p:nvPr/>
+        </p:nvCxnSpPr>
+        <p:spPr>
+          <a:xfrm>
+            <a:off x="2852664" y="2662490"/>
+            <a:ext cx="500028" cy="110578"/>
+          </a:xfrm>
+          <a:prstGeom prst="line">
+            <a:avLst/>
+          </a:prstGeom>
+          <a:ln w="28575">
+            <a:solidFill>
+              <a:srgbClr val="FF0000"/>
+            </a:solidFill>
+          </a:ln>
+        </p:spPr>
+        <p:style>
+          <a:lnRef idx="1">
+            <a:schemeClr val="accent1"/>
+          </a:lnRef>
+          <a:fillRef idx="0">
+            <a:schemeClr val="accent1"/>
+          </a:fillRef>
+          <a:effectRef idx="0">
+            <a:schemeClr val="accent1"/>
+          </a:effectRef>
+          <a:fontRef idx="minor">
+            <a:schemeClr val="tx1"/>
+          </a:fontRef>
+        </p:style>
+      </p:cxnSp>
+      <p:sp>
+        <p:nvSpPr>
+          <p:cNvPr id="22" name="Rectangle 21">
+            <a:extLst>
+              <a:ext uri="{FF2B5EF4-FFF2-40B4-BE49-F238E27FC236}">
+                <a16:creationId xmlns:a16="http://schemas.microsoft.com/office/drawing/2014/main" id="{1E75DFD0-1293-FF13-0606-C3452B69E532}"/>
+              </a:ext>
+            </a:extLst>
+          </p:cNvPr>
+          <p:cNvSpPr/>
+          <p:nvPr/>
+        </p:nvSpPr>
+        <p:spPr>
+          <a:xfrm>
+            <a:off x="3065639" y="3196951"/>
+            <a:ext cx="3565015" cy="3510860"/>
+          </a:xfrm>
+          <a:prstGeom prst="rect">
+            <a:avLst/>
+          </a:prstGeom>
+          <a:solidFill>
+            <a:schemeClr val="bg1"/>
+          </a:solidFill>
+          <a:ln>
+            <a:solidFill>
+              <a:schemeClr val="bg1"/>
+            </a:solidFill>
+          </a:ln>
+        </p:spPr>
+        <p:style>
+          <a:lnRef idx="2">
+            <a:schemeClr val="accent1">
+              <a:shade val="50000"/>
+            </a:schemeClr>
+          </a:lnRef>
+          <a:fillRef idx="1">
+            <a:schemeClr val="accent1"/>
+          </a:fillRef>
+          <a:effectRef idx="0">
+            <a:schemeClr val="accent1"/>
+          </a:effectRef>
+          <a:fontRef idx="minor">
+            <a:schemeClr val="lt1"/>
+          </a:fontRef>
+        </p:style>
+        <p:txBody>
+          <a:bodyPr rtlCol="0" anchor="ctr"/>
+          <a:lstStyle/>
+          <a:p>
+            <a:pPr algn="ctr"/>
+            <a:endParaRPr lang="fr-FR"/>
+          </a:p>
+        </p:txBody>
+      </p:sp>
+      <p:sp>
+        <p:nvSpPr>
+          <p:cNvPr id="23" name="Rectangle 22">
+            <a:extLst>
+              <a:ext uri="{FF2B5EF4-FFF2-40B4-BE49-F238E27FC236}">
+                <a16:creationId xmlns:a16="http://schemas.microsoft.com/office/drawing/2014/main" id="{99553536-FACC-F2B3-CA63-0B04A1429467}"/>
+              </a:ext>
+            </a:extLst>
+          </p:cNvPr>
+          <p:cNvSpPr/>
+          <p:nvPr/>
+        </p:nvSpPr>
+        <p:spPr>
+          <a:xfrm>
+            <a:off x="10149370" y="3196951"/>
+            <a:ext cx="1250070" cy="3510860"/>
+          </a:xfrm>
+          <a:prstGeom prst="rect">
+            <a:avLst/>
+          </a:prstGeom>
+          <a:solidFill>
+            <a:schemeClr val="bg1"/>
+          </a:solidFill>
+          <a:ln>
+            <a:solidFill>
+              <a:schemeClr val="bg1"/>
+            </a:solidFill>
+          </a:ln>
+        </p:spPr>
+        <p:style>
+          <a:lnRef idx="2">
+            <a:schemeClr val="accent1">
+              <a:shade val="50000"/>
+            </a:schemeClr>
+          </a:lnRef>
+          <a:fillRef idx="1">
+            <a:schemeClr val="accent1"/>
+          </a:fillRef>
+          <a:effectRef idx="0">
+            <a:schemeClr val="accent1"/>
+          </a:effectRef>
+          <a:fontRef idx="minor">
+            <a:schemeClr val="lt1"/>
+          </a:fontRef>
+        </p:style>
+        <p:txBody>
+          <a:bodyPr rtlCol="0" anchor="ctr"/>
+          <a:lstStyle/>
+          <a:p>
+            <a:pPr algn="ctr"/>
+            <a:endParaRPr lang="fr-FR"/>
+          </a:p>
+        </p:txBody>
+      </p:sp>
+      <p:sp>
+        <p:nvSpPr>
+          <p:cNvPr id="24" name="Rectangle 23">
+            <a:extLst>
+              <a:ext uri="{FF2B5EF4-FFF2-40B4-BE49-F238E27FC236}">
+                <a16:creationId xmlns:a16="http://schemas.microsoft.com/office/drawing/2014/main" id="{83C33CC0-1EAA-7373-79AC-E9267B3B5BBE}"/>
+              </a:ext>
+            </a:extLst>
+          </p:cNvPr>
+          <p:cNvSpPr/>
+          <p:nvPr/>
+        </p:nvSpPr>
+        <p:spPr>
+          <a:xfrm>
+            <a:off x="3065639" y="367991"/>
+            <a:ext cx="5907739" cy="1981194"/>
+          </a:xfrm>
+          <a:prstGeom prst="rect">
+            <a:avLst/>
+          </a:prstGeom>
+          <a:solidFill>
+            <a:schemeClr val="bg1"/>
+          </a:solidFill>
+          <a:ln>
+            <a:solidFill>
+              <a:schemeClr val="bg1"/>
+            </a:solidFill>
+          </a:ln>
+        </p:spPr>
+        <p:style>
+          <a:lnRef idx="2">
+            <a:schemeClr val="accent1">
+              <a:shade val="50000"/>
+            </a:schemeClr>
+          </a:lnRef>
+          <a:fillRef idx="1">
+            <a:schemeClr val="accent1"/>
+          </a:fillRef>
+          <a:effectRef idx="0">
+            <a:schemeClr val="accent1"/>
+          </a:effectRef>
+          <a:fontRef idx="minor">
+            <a:schemeClr val="lt1"/>
+          </a:fontRef>
+        </p:style>
+        <p:txBody>
+          <a:bodyPr rtlCol="0" anchor="ctr"/>
+          <a:lstStyle/>
+          <a:p>
+            <a:pPr algn="ctr"/>
+            <a:endParaRPr lang="fr-FR"/>
+          </a:p>
+        </p:txBody>
+      </p:sp>
+      <p:sp>
+        <p:nvSpPr>
+          <p:cNvPr id="17" name="Rectangle 16">
+            <a:extLst>
+              <a:ext uri="{FF2B5EF4-FFF2-40B4-BE49-F238E27FC236}">
+                <a16:creationId xmlns:a16="http://schemas.microsoft.com/office/drawing/2014/main" id="{E97D5BA5-9703-5EE1-8714-4548F7C356FC}"/>
+              </a:ext>
+            </a:extLst>
+          </p:cNvPr>
+          <p:cNvSpPr/>
+          <p:nvPr/>
+        </p:nvSpPr>
+        <p:spPr>
+          <a:xfrm>
+            <a:off x="3352692" y="2584163"/>
+            <a:ext cx="2243436" cy="963709"/>
+          </a:xfrm>
+          <a:prstGeom prst="rect">
+            <a:avLst/>
+          </a:prstGeom>
+          <a:solidFill>
+            <a:schemeClr val="bg1"/>
+          </a:solidFill>
+          <a:ln>
+            <a:solidFill>
+              <a:srgbClr val="FF0000"/>
+            </a:solidFill>
+          </a:ln>
+        </p:spPr>
+        <p:style>
+          <a:lnRef idx="2">
+            <a:schemeClr val="accent1">
+              <a:shade val="50000"/>
+            </a:schemeClr>
+          </a:lnRef>
+          <a:fillRef idx="1">
+            <a:schemeClr val="accent1"/>
+          </a:fillRef>
+          <a:effectRef idx="0">
+            <a:schemeClr val="accent1"/>
+          </a:effectRef>
+          <a:fontRef idx="minor">
+            <a:schemeClr val="lt1"/>
+          </a:fontRef>
+        </p:style>
+        <p:txBody>
+          <a:bodyPr rtlCol="0" anchor="ctr"/>
+          <a:lstStyle/>
+          <a:p>
+            <a:pPr algn="ctr"/>
+            <a:r>
+              <a:rPr lang="fr-FR" b="1" dirty="0">
+                <a:solidFill>
+                  <a:schemeClr val="tx1"/>
+                </a:solidFill>
+                <a:latin typeface="Calibri" panose="020F0502020204030204" pitchFamily="34" charset="0"/>
+                <a:ea typeface="Calibri" panose="020F0502020204030204" pitchFamily="34" charset="0"/>
+                <a:cs typeface="Calibri" panose="020F0502020204030204" pitchFamily="34" charset="0"/>
+              </a:rPr>
+              <a:t>Main menue (site) </a:t>
+            </a:r>
+          </a:p>
+          <a:p>
+            <a:pPr algn="ctr"/>
+            <a:r>
+              <a:rPr lang="fr-FR" dirty="0">
+                <a:solidFill>
+                  <a:schemeClr val="tx1"/>
+                </a:solidFill>
+                <a:latin typeface="Calibri" panose="020F0502020204030204" pitchFamily="34" charset="0"/>
+                <a:ea typeface="Calibri" panose="020F0502020204030204" pitchFamily="34" charset="0"/>
+                <a:cs typeface="Calibri" panose="020F0502020204030204" pitchFamily="34" charset="0"/>
+              </a:rPr>
+              <a:t>pages are </a:t>
+            </a:r>
+            <a:r>
+              <a:rPr lang="fr-FR" dirty="0" err="1">
+                <a:solidFill>
+                  <a:schemeClr val="tx1"/>
+                </a:solidFill>
+                <a:latin typeface="Calibri" panose="020F0502020204030204" pitchFamily="34" charset="0"/>
+                <a:ea typeface="Calibri" panose="020F0502020204030204" pitchFamily="34" charset="0"/>
+                <a:cs typeface="Calibri" panose="020F0502020204030204" pitchFamily="34" charset="0"/>
+              </a:rPr>
+              <a:t>clickables</a:t>
+            </a:r>
+            <a:r>
+              <a:rPr lang="fr-FR" b="1" dirty="0">
+                <a:solidFill>
+                  <a:schemeClr val="tx1"/>
+                </a:solidFill>
+                <a:latin typeface="Calibri" panose="020F0502020204030204" pitchFamily="34" charset="0"/>
+                <a:ea typeface="Calibri" panose="020F0502020204030204" pitchFamily="34" charset="0"/>
+                <a:cs typeface="Calibri" panose="020F0502020204030204" pitchFamily="34" charset="0"/>
+              </a:rPr>
+              <a:t>  </a:t>
+            </a:r>
+            <a:endParaRPr lang="fr-FR" dirty="0">
+              <a:solidFill>
+                <a:schemeClr val="tx1"/>
+              </a:solidFill>
+              <a:latin typeface="Calibri" panose="020F0502020204030204" pitchFamily="34" charset="0"/>
+              <a:ea typeface="Calibri" panose="020F0502020204030204" pitchFamily="34" charset="0"/>
+              <a:cs typeface="Calibri" panose="020F0502020204030204" pitchFamily="34" charset="0"/>
+            </a:endParaRPr>
+          </a:p>
+        </p:txBody>
+      </p:sp>
+    </p:spTree>
+    <p:extLst>
+      <p:ext uri="{BB962C8B-B14F-4D97-AF65-F5344CB8AC3E}">
+        <p14:creationId xmlns:p14="http://schemas.microsoft.com/office/powerpoint/2010/main" val="2985877266"/>
+      </p:ext>
+    </p:extLst>
+  </p:cSld>
+  <p:clrMapOvr>
+    <a:masterClrMapping/>
+  </p:clrMapOvr>
+</p:sld>
+</file>
+
 <file path=ppt/theme/theme1.xml><?xml version="1.0" encoding="utf-8"?>
 <a:theme xmlns:a="http://schemas.openxmlformats.org/drawingml/2006/main" name="ArchwayVTI">
   <a:themeElements>
